--- a/Week16/01 Introduction to Week 16.pptx
+++ b/Week16/01 Introduction to Week 16.pptx
@@ -116,6 +116,50 @@
 </p:presentation>
 </file>
 
+<file path=ppt/changesInfos/changesInfo1.xml><?xml version="1.0" encoding="utf-8"?>
+<pc:chgInfo xmlns:a="http://schemas.openxmlformats.org/drawingml/2006/main" xmlns:r="http://schemas.openxmlformats.org/officeDocument/2006/relationships" xmlns:ac="http://schemas.microsoft.com/office/drawing/2013/main/command" xmlns:pc="http://schemas.microsoft.com/office/powerpoint/2013/main/command">
+  <pc:docChgLst>
+    <pc:chgData name="Chuck Kiefriter" userId="a996b49251c4dfd2" providerId="LiveId" clId="{6C5E4B61-A537-472A-9E19-8F5AC157ECF1}"/>
+    <pc:docChg chg="modSld">
+      <pc:chgData name="Chuck Kiefriter" userId="a996b49251c4dfd2" providerId="LiveId" clId="{6C5E4B61-A537-472A-9E19-8F5AC157ECF1}" dt="2024-04-03T00:00:25.782" v="1" actId="14100"/>
+      <pc:docMkLst>
+        <pc:docMk/>
+      </pc:docMkLst>
+      <pc:sldChg chg="modSp mod">
+        <pc:chgData name="Chuck Kiefriter" userId="a996b49251c4dfd2" providerId="LiveId" clId="{6C5E4B61-A537-472A-9E19-8F5AC157ECF1}" dt="2024-04-03T00:00:25.782" v="1" actId="14100"/>
+        <pc:sldMkLst>
+          <pc:docMk/>
+          <pc:sldMk cId="1276885257" sldId="258"/>
+        </pc:sldMkLst>
+        <pc:spChg chg="mod">
+          <ac:chgData name="Chuck Kiefriter" userId="a996b49251c4dfd2" providerId="LiveId" clId="{6C5E4B61-A537-472A-9E19-8F5AC157ECF1}" dt="2024-04-03T00:00:25.782" v="1" actId="14100"/>
+          <ac:spMkLst>
+            <pc:docMk/>
+            <pc:sldMk cId="1276885257" sldId="258"/>
+            <ac:spMk id="3" creationId="{F2CAE939-9D18-90F2-C54B-B6689718B981}"/>
+          </ac:spMkLst>
+        </pc:spChg>
+      </pc:sldChg>
+      <pc:sldChg chg="modSp mod">
+        <pc:chgData name="Chuck Kiefriter" userId="a996b49251c4dfd2" providerId="LiveId" clId="{6C5E4B61-A537-472A-9E19-8F5AC157ECF1}" dt="2024-04-02T23:53:06.906" v="0" actId="14100"/>
+        <pc:sldMkLst>
+          <pc:docMk/>
+          <pc:sldMk cId="1254301228" sldId="260"/>
+        </pc:sldMkLst>
+        <pc:spChg chg="mod">
+          <ac:chgData name="Chuck Kiefriter" userId="a996b49251c4dfd2" providerId="LiveId" clId="{6C5E4B61-A537-472A-9E19-8F5AC157ECF1}" dt="2024-04-02T23:53:06.906" v="0" actId="14100"/>
+          <ac:spMkLst>
+            <pc:docMk/>
+            <pc:sldMk cId="1254301228" sldId="260"/>
+            <ac:spMk id="3" creationId="{DF011CE7-2BF3-6A73-DE0A-A346B1C249A4}"/>
+          </ac:spMkLst>
+        </pc:spChg>
+      </pc:sldChg>
+    </pc:docChg>
+  </pc:docChgLst>
+</pc:chgInfo>
+</file>
+
 <file path=ppt/slideLayouts/slideLayout1.xml><?xml version="1.0" encoding="utf-8"?>
 <p:sldLayout xmlns:a="http://schemas.openxmlformats.org/drawingml/2006/main" xmlns:r="http://schemas.openxmlformats.org/officeDocument/2006/relationships" xmlns:p="http://schemas.openxmlformats.org/presentationml/2006/main" type="title" preserve="1">
   <p:cSld name="Title Slide">
@@ -247,7 +291,7 @@
           <a:p>
             <a:fld id="{C70490F0-6C28-49E2-816A-123A71F4BC8E}" type="datetimeFigureOut">
               <a:rPr lang="en-US" smtClean="0"/>
-              <a:t>1/19/2023</a:t>
+              <a:t>4/2/2024</a:t>
             </a:fld>
             <a:endParaRPr lang="en-US"/>
           </a:p>
@@ -417,7 +461,7 @@
           <a:p>
             <a:fld id="{C70490F0-6C28-49E2-816A-123A71F4BC8E}" type="datetimeFigureOut">
               <a:rPr lang="en-US" smtClean="0"/>
-              <a:t>1/19/2023</a:t>
+              <a:t>4/2/2024</a:t>
             </a:fld>
             <a:endParaRPr lang="en-US"/>
           </a:p>
@@ -597,7 +641,7 @@
           <a:p>
             <a:fld id="{C70490F0-6C28-49E2-816A-123A71F4BC8E}" type="datetimeFigureOut">
               <a:rPr lang="en-US" smtClean="0"/>
-              <a:t>1/19/2023</a:t>
+              <a:t>4/2/2024</a:t>
             </a:fld>
             <a:endParaRPr lang="en-US"/>
           </a:p>
@@ -767,7 +811,7 @@
           <a:p>
             <a:fld id="{C70490F0-6C28-49E2-816A-123A71F4BC8E}" type="datetimeFigureOut">
               <a:rPr lang="en-US" smtClean="0"/>
-              <a:t>1/19/2023</a:t>
+              <a:t>4/2/2024</a:t>
             </a:fld>
             <a:endParaRPr lang="en-US"/>
           </a:p>
@@ -1013,7 +1057,7 @@
           <a:p>
             <a:fld id="{C70490F0-6C28-49E2-816A-123A71F4BC8E}" type="datetimeFigureOut">
               <a:rPr lang="en-US" smtClean="0"/>
-              <a:t>1/19/2023</a:t>
+              <a:t>4/2/2024</a:t>
             </a:fld>
             <a:endParaRPr lang="en-US"/>
           </a:p>
@@ -1245,7 +1289,7 @@
           <a:p>
             <a:fld id="{C70490F0-6C28-49E2-816A-123A71F4BC8E}" type="datetimeFigureOut">
               <a:rPr lang="en-US" smtClean="0"/>
-              <a:t>1/19/2023</a:t>
+              <a:t>4/2/2024</a:t>
             </a:fld>
             <a:endParaRPr lang="en-US"/>
           </a:p>
@@ -1612,7 +1656,7 @@
           <a:p>
             <a:fld id="{C70490F0-6C28-49E2-816A-123A71F4BC8E}" type="datetimeFigureOut">
               <a:rPr lang="en-US" smtClean="0"/>
-              <a:t>1/19/2023</a:t>
+              <a:t>4/2/2024</a:t>
             </a:fld>
             <a:endParaRPr lang="en-US"/>
           </a:p>
@@ -1730,7 +1774,7 @@
           <a:p>
             <a:fld id="{C70490F0-6C28-49E2-816A-123A71F4BC8E}" type="datetimeFigureOut">
               <a:rPr lang="en-US" smtClean="0"/>
-              <a:t>1/19/2023</a:t>
+              <a:t>4/2/2024</a:t>
             </a:fld>
             <a:endParaRPr lang="en-US"/>
           </a:p>
@@ -1825,7 +1869,7 @@
           <a:p>
             <a:fld id="{C70490F0-6C28-49E2-816A-123A71F4BC8E}" type="datetimeFigureOut">
               <a:rPr lang="en-US" smtClean="0"/>
-              <a:t>1/19/2023</a:t>
+              <a:t>4/2/2024</a:t>
             </a:fld>
             <a:endParaRPr lang="en-US"/>
           </a:p>
@@ -2102,7 +2146,7 @@
           <a:p>
             <a:fld id="{C70490F0-6C28-49E2-816A-123A71F4BC8E}" type="datetimeFigureOut">
               <a:rPr lang="en-US" smtClean="0"/>
-              <a:t>1/19/2023</a:t>
+              <a:t>4/2/2024</a:t>
             </a:fld>
             <a:endParaRPr lang="en-US"/>
           </a:p>
@@ -2359,7 +2403,7 @@
           <a:p>
             <a:fld id="{C70490F0-6C28-49E2-816A-123A71F4BC8E}" type="datetimeFigureOut">
               <a:rPr lang="en-US" smtClean="0"/>
-              <a:t>1/19/2023</a:t>
+              <a:t>4/2/2024</a:t>
             </a:fld>
             <a:endParaRPr lang="en-US"/>
           </a:p>
@@ -2572,7 +2616,7 @@
           <a:p>
             <a:fld id="{C70490F0-6C28-49E2-816A-123A71F4BC8E}" type="datetimeFigureOut">
               <a:rPr lang="en-US" smtClean="0"/>
-              <a:t>1/19/2023</a:t>
+              <a:t>4/2/2024</a:t>
             </a:fld>
             <a:endParaRPr lang="en-US"/>
           </a:p>
@@ -3272,7 +3316,7 @@
         <p:spPr>
           <a:xfrm>
             <a:off x="838200" y="1825625"/>
-            <a:ext cx="5712725" cy="4351338"/>
+            <a:ext cx="9339072" cy="4351338"/>
           </a:xfrm>
         </p:spPr>
         <p:txBody>
@@ -3600,7 +3644,7 @@
         <p:spPr>
           <a:xfrm>
             <a:off x="838200" y="2014868"/>
-            <a:ext cx="4579961" cy="3130337"/>
+            <a:ext cx="11186160" cy="3130337"/>
           </a:xfrm>
         </p:spPr>
         <p:txBody>
@@ -3614,14 +3658,10 @@
             </a:pPr>
             <a:r>
               <a:rPr lang="en-US" dirty="0"/>
-              <a:t>In the next video, we will create an integration test for the "Create Location" operation. We will </a:t>
-            </a:r>
-            <a:r>
-              <a:rPr lang="en-US"/>
-              <a:t>use the H2 </a:t>
-            </a:r>
-            <a:r>
-              <a:rPr lang="en-US">
+              <a:t>In the next video, we will create an integration test for the "Create Location" operation. We will use the H2 </a:t>
+            </a:r>
+            <a:r>
+              <a:rPr lang="en-US" dirty="0">
                 <a:solidFill>
                   <a:schemeClr val="accent4"/>
                 </a:solidFill>
